--- a/documentation/team-x.pptx
+++ b/documentation/team-x.pptx
@@ -126,6 +126,7 @@
 <p1510:revInfo xmlns:a="http://schemas.openxmlformats.org/drawingml/2006/main" xmlns:r="http://schemas.openxmlformats.org/officeDocument/2006/relationships" xmlns:p1510="http://schemas.microsoft.com/office/powerpoint/2015/10/main">
   <p1510:revLst>
     <p1510:client id="{68B154FE-2BFD-4D7F-9BF2-24D1E3A0127B}" v="95" dt="2024-11-21T16:55:04.230"/>
+    <p1510:client id="{D7B20298-266E-F0AD-AAFF-2AA6A4EBF87E}" v="10" dt="2024-11-23T12:50:16.446"/>
   </p1510:revLst>
 </p1510:revInfo>
 </file>
@@ -259,7 +260,7 @@
           <a:p>
             <a:fld id="{3E104224-5F53-4681-B114-4FDA2DEB297A}" type="datetimeFigureOut">
               <a:rPr lang="bg-BG" smtClean="0"/>
-              <a:t>21.11.2024 г.</a:t>
+              <a:t>23.11.2024 г.</a:t>
             </a:fld>
             <a:endParaRPr lang="bg-BG"/>
           </a:p>
@@ -439,7 +440,7 @@
           <a:p>
             <a:fld id="{3E104224-5F53-4681-B114-4FDA2DEB297A}" type="datetimeFigureOut">
               <a:rPr lang="bg-BG" smtClean="0"/>
-              <a:t>21.11.2024 г.</a:t>
+              <a:t>23.11.2024 г.</a:t>
             </a:fld>
             <a:endParaRPr lang="bg-BG"/>
           </a:p>
@@ -629,7 +630,7 @@
           <a:p>
             <a:fld id="{3E104224-5F53-4681-B114-4FDA2DEB297A}" type="datetimeFigureOut">
               <a:rPr lang="bg-BG" smtClean="0"/>
-              <a:t>21.11.2024 г.</a:t>
+              <a:t>23.11.2024 г.</a:t>
             </a:fld>
             <a:endParaRPr lang="bg-BG"/>
           </a:p>
@@ -809,7 +810,7 @@
           <a:p>
             <a:fld id="{3E104224-5F53-4681-B114-4FDA2DEB297A}" type="datetimeFigureOut">
               <a:rPr lang="bg-BG" smtClean="0"/>
-              <a:t>21.11.2024 г.</a:t>
+              <a:t>23.11.2024 г.</a:t>
             </a:fld>
             <a:endParaRPr lang="bg-BG"/>
           </a:p>
@@ -1066,7 +1067,7 @@
           <a:p>
             <a:fld id="{3E104224-5F53-4681-B114-4FDA2DEB297A}" type="datetimeFigureOut">
               <a:rPr lang="bg-BG" smtClean="0"/>
-              <a:t>21.11.2024 г.</a:t>
+              <a:t>23.11.2024 г.</a:t>
             </a:fld>
             <a:endParaRPr lang="bg-BG"/>
           </a:p>
@@ -1307,7 +1308,7 @@
           <a:p>
             <a:fld id="{3E104224-5F53-4681-B114-4FDA2DEB297A}" type="datetimeFigureOut">
               <a:rPr lang="bg-BG" smtClean="0"/>
-              <a:t>21.11.2024 г.</a:t>
+              <a:t>23.11.2024 г.</a:t>
             </a:fld>
             <a:endParaRPr lang="bg-BG"/>
           </a:p>
@@ -1683,7 +1684,7 @@
           <a:p>
             <a:fld id="{3E104224-5F53-4681-B114-4FDA2DEB297A}" type="datetimeFigureOut">
               <a:rPr lang="bg-BG" smtClean="0"/>
-              <a:t>21.11.2024 г.</a:t>
+              <a:t>23.11.2024 г.</a:t>
             </a:fld>
             <a:endParaRPr lang="bg-BG"/>
           </a:p>
@@ -1812,7 +1813,7 @@
           <a:p>
             <a:fld id="{3E104224-5F53-4681-B114-4FDA2DEB297A}" type="datetimeFigureOut">
               <a:rPr lang="bg-BG" smtClean="0"/>
-              <a:t>21.11.2024 г.</a:t>
+              <a:t>23.11.2024 г.</a:t>
             </a:fld>
             <a:endParaRPr lang="bg-BG"/>
           </a:p>
@@ -1919,7 +1920,7 @@
           <a:p>
             <a:fld id="{3E104224-5F53-4681-B114-4FDA2DEB297A}" type="datetimeFigureOut">
               <a:rPr lang="bg-BG" smtClean="0"/>
-              <a:t>21.11.2024 г.</a:t>
+              <a:t>23.11.2024 г.</a:t>
             </a:fld>
             <a:endParaRPr lang="bg-BG"/>
           </a:p>
@@ -2206,7 +2207,7 @@
           <a:p>
             <a:fld id="{3E104224-5F53-4681-B114-4FDA2DEB297A}" type="datetimeFigureOut">
               <a:rPr lang="bg-BG" smtClean="0"/>
-              <a:t>21.11.2024 г.</a:t>
+              <a:t>23.11.2024 г.</a:t>
             </a:fld>
             <a:endParaRPr lang="bg-BG"/>
           </a:p>
@@ -2470,7 +2471,7 @@
           <a:p>
             <a:fld id="{3E104224-5F53-4681-B114-4FDA2DEB297A}" type="datetimeFigureOut">
               <a:rPr lang="bg-BG" smtClean="0"/>
-              <a:t>21.11.2024 г.</a:t>
+              <a:t>23.11.2024 г.</a:t>
             </a:fld>
             <a:endParaRPr lang="bg-BG"/>
           </a:p>
@@ -2696,7 +2697,7 @@
           <a:p>
             <a:fld id="{3E104224-5F53-4681-B114-4FDA2DEB297A}" type="datetimeFigureOut">
               <a:rPr lang="bg-BG" smtClean="0"/>
-              <a:t>21.11.2024 г.</a:t>
+              <a:t>23.11.2024 г.</a:t>
             </a:fld>
             <a:endParaRPr lang="bg-BG"/>
           </a:p>
@@ -4358,7 +4359,7 @@
           </p:nvPr>
         </p:nvPicPr>
         <p:blipFill>
-          <a:blip r:embed="rId2" cstate="print">
+          <a:blip r:embed="rId2">
             <a:extLst>
               <a:ext uri="{28A0092B-C50C-407E-A947-70E740481C1C}">
                 <a14:useLocalDpi xmlns:a14="http://schemas.microsoft.com/office/drawing/2010/main" val="0"/>
@@ -4598,7 +4599,7 @@
           <p:nvPr/>
         </p:nvPicPr>
         <p:blipFill>
-          <a:blip r:embed="rId5" cstate="print">
+          <a:blip r:embed="rId5">
             <a:extLst>
               <a:ext uri="{28A0092B-C50C-407E-A947-70E740481C1C}">
                 <a14:useLocalDpi xmlns:a14="http://schemas.microsoft.com/office/drawing/2010/main" val="0"/>
@@ -4722,7 +4723,7 @@
           <p:nvPr/>
         </p:nvPicPr>
         <p:blipFill>
-          <a:blip r:embed="rId6" cstate="print">
+          <a:blip r:embed="rId6">
             <a:extLst>
               <a:ext uri="{28A0092B-C50C-407E-A947-70E740481C1C}">
                 <a14:useLocalDpi xmlns:a14="http://schemas.microsoft.com/office/drawing/2010/main" val="0"/>
@@ -5146,229 +5147,11 @@
           <a:lstStyle/>
           <a:p>
             <a:r>
-              <a:rPr lang="bg-BG" sz="2500" b="1" dirty="0" err="1">
-                <a:solidFill>
-                  <a:srgbClr val="1D1D1D"/>
-                </a:solidFill>
-                <a:latin typeface="Consolas" panose="020B0609020204030204" pitchFamily="49" charset="0"/>
-                <a:cs typeface="Cascadia Mono" panose="020B0609020000020004" pitchFamily="49" charset="0"/>
+              <a:rPr lang="en-US" sz="2300" b="1" dirty="0">
+                <a:latin typeface="Consolas"/>
               </a:rPr>
-              <a:t>Our</a:t>
-            </a:r>
-            <a:r>
-              <a:rPr lang="bg-BG" sz="2500" b="1" dirty="0">
-                <a:solidFill>
-                  <a:srgbClr val="1D1D1D"/>
-                </a:solidFill>
-                <a:latin typeface="Consolas" panose="020B0609020204030204" pitchFamily="49" charset="0"/>
-                <a:cs typeface="Cascadia Mono" panose="020B0609020000020004" pitchFamily="49" charset="0"/>
-              </a:rPr>
-              <a:t> </a:t>
-            </a:r>
-            <a:r>
-              <a:rPr lang="bg-BG" sz="2500" b="1" dirty="0" err="1">
-                <a:solidFill>
-                  <a:srgbClr val="1D1D1D"/>
-                </a:solidFill>
-                <a:latin typeface="Consolas" panose="020B0609020204030204" pitchFamily="49" charset="0"/>
-                <a:cs typeface="Cascadia Mono" panose="020B0609020000020004" pitchFamily="49" charset="0"/>
-              </a:rPr>
-              <a:t>team</a:t>
-            </a:r>
-            <a:r>
-              <a:rPr lang="bg-BG" sz="2500" b="1" dirty="0">
-                <a:solidFill>
-                  <a:srgbClr val="1D1D1D"/>
-                </a:solidFill>
-                <a:latin typeface="Consolas" panose="020B0609020204030204" pitchFamily="49" charset="0"/>
-                <a:cs typeface="Cascadia Mono" panose="020B0609020000020004" pitchFamily="49" charset="0"/>
-              </a:rPr>
-              <a:t> </a:t>
-            </a:r>
-            <a:r>
-              <a:rPr lang="bg-BG" sz="2500" b="1" dirty="0" err="1">
-                <a:solidFill>
-                  <a:srgbClr val="1D1D1D"/>
-                </a:solidFill>
-                <a:latin typeface="Consolas" panose="020B0609020204030204" pitchFamily="49" charset="0"/>
-                <a:cs typeface="Cascadia Mono" panose="020B0609020000020004" pitchFamily="49" charset="0"/>
-              </a:rPr>
-              <a:t>decided</a:t>
-            </a:r>
-            <a:r>
-              <a:rPr lang="bg-BG" sz="2500" b="1" dirty="0">
-                <a:solidFill>
-                  <a:srgbClr val="1D1D1D"/>
-                </a:solidFill>
-                <a:latin typeface="Consolas" panose="020B0609020204030204" pitchFamily="49" charset="0"/>
-                <a:cs typeface="Cascadia Mono" panose="020B0609020000020004" pitchFamily="49" charset="0"/>
-              </a:rPr>
-              <a:t> </a:t>
-            </a:r>
-            <a:r>
-              <a:rPr lang="bg-BG" sz="2500" b="1" dirty="0" err="1">
-                <a:solidFill>
-                  <a:srgbClr val="1D1D1D"/>
-                </a:solidFill>
-                <a:latin typeface="Consolas" panose="020B0609020204030204" pitchFamily="49" charset="0"/>
-                <a:cs typeface="Cascadia Mono" panose="020B0609020000020004" pitchFamily="49" charset="0"/>
-              </a:rPr>
-              <a:t>to</a:t>
-            </a:r>
-            <a:r>
-              <a:rPr lang="bg-BG" sz="2500" b="1" dirty="0">
-                <a:solidFill>
-                  <a:srgbClr val="1D1D1D"/>
-                </a:solidFill>
-                <a:latin typeface="Consolas" panose="020B0609020204030204" pitchFamily="49" charset="0"/>
-                <a:cs typeface="Cascadia Mono" panose="020B0609020000020004" pitchFamily="49" charset="0"/>
-              </a:rPr>
-              <a:t> </a:t>
-            </a:r>
-            <a:r>
-              <a:rPr lang="bg-BG" sz="2500" b="1" dirty="0" err="1">
-                <a:solidFill>
-                  <a:srgbClr val="1D1D1D"/>
-                </a:solidFill>
-                <a:latin typeface="Consolas" panose="020B0609020204030204" pitchFamily="49" charset="0"/>
-                <a:cs typeface="Cascadia Mono" panose="020B0609020000020004" pitchFamily="49" charset="0"/>
-              </a:rPr>
-              <a:t>recreate</a:t>
-            </a:r>
-            <a:r>
-              <a:rPr lang="bg-BG" sz="2500" b="1" dirty="0">
-                <a:solidFill>
-                  <a:srgbClr val="1D1D1D"/>
-                </a:solidFill>
-                <a:latin typeface="Consolas" panose="020B0609020204030204" pitchFamily="49" charset="0"/>
-                <a:cs typeface="Cascadia Mono" panose="020B0609020000020004" pitchFamily="49" charset="0"/>
-              </a:rPr>
-              <a:t> a </a:t>
-            </a:r>
-            <a:r>
-              <a:rPr lang="bg-BG" sz="2500" b="1" dirty="0" err="1">
-                <a:solidFill>
-                  <a:srgbClr val="1D1D1D"/>
-                </a:solidFill>
-                <a:latin typeface="Consolas" panose="020B0609020204030204" pitchFamily="49" charset="0"/>
-                <a:cs typeface="Cascadia Mono" panose="020B0609020000020004" pitchFamily="49" charset="0"/>
-              </a:rPr>
-              <a:t>simple</a:t>
-            </a:r>
-            <a:r>
-              <a:rPr lang="bg-BG" sz="2500" b="1" dirty="0">
-                <a:solidFill>
-                  <a:srgbClr val="1D1D1D"/>
-                </a:solidFill>
-                <a:latin typeface="Consolas" panose="020B0609020204030204" pitchFamily="49" charset="0"/>
-                <a:cs typeface="Cascadia Mono" panose="020B0609020000020004" pitchFamily="49" charset="0"/>
-              </a:rPr>
-              <a:t> </a:t>
-            </a:r>
-            <a:r>
-              <a:rPr lang="bg-BG" sz="2500" b="1" dirty="0" err="1">
-                <a:solidFill>
-                  <a:srgbClr val="1D1D1D"/>
-                </a:solidFill>
-                <a:latin typeface="Consolas" panose="020B0609020204030204" pitchFamily="49" charset="0"/>
-                <a:cs typeface="Cascadia Mono" panose="020B0609020000020004" pitchFamily="49" charset="0"/>
-              </a:rPr>
-              <a:t>yet</a:t>
-            </a:r>
-            <a:r>
-              <a:rPr lang="bg-BG" sz="2500" b="1" dirty="0">
-                <a:solidFill>
-                  <a:srgbClr val="1D1D1D"/>
-                </a:solidFill>
-                <a:latin typeface="Consolas" panose="020B0609020204030204" pitchFamily="49" charset="0"/>
-                <a:cs typeface="Cascadia Mono" panose="020B0609020000020004" pitchFamily="49" charset="0"/>
-              </a:rPr>
-              <a:t> </a:t>
-            </a:r>
-            <a:r>
-              <a:rPr lang="bg-BG" sz="2500" b="1" dirty="0" err="1">
-                <a:solidFill>
-                  <a:srgbClr val="1D1D1D"/>
-                </a:solidFill>
-                <a:latin typeface="Consolas" panose="020B0609020204030204" pitchFamily="49" charset="0"/>
-                <a:cs typeface="Cascadia Mono" panose="020B0609020000020004" pitchFamily="49" charset="0"/>
-              </a:rPr>
-              <a:t>entertaining</a:t>
-            </a:r>
-            <a:r>
-              <a:rPr lang="bg-BG" sz="2500" b="1" dirty="0">
-                <a:solidFill>
-                  <a:srgbClr val="1D1D1D"/>
-                </a:solidFill>
-                <a:latin typeface="Consolas" panose="020B0609020204030204" pitchFamily="49" charset="0"/>
-                <a:cs typeface="Cascadia Mono" panose="020B0609020000020004" pitchFamily="49" charset="0"/>
-              </a:rPr>
-              <a:t> </a:t>
-            </a:r>
-            <a:r>
-              <a:rPr lang="bg-BG" sz="2500" b="1" dirty="0" err="1">
-                <a:solidFill>
-                  <a:srgbClr val="1D1D1D"/>
-                </a:solidFill>
-                <a:latin typeface="Consolas" panose="020B0609020204030204" pitchFamily="49" charset="0"/>
-                <a:cs typeface="Cascadia Mono" panose="020B0609020000020004" pitchFamily="49" charset="0"/>
-              </a:rPr>
-              <a:t>game</a:t>
-            </a:r>
-            <a:r>
-              <a:rPr lang="bg-BG" sz="2500" b="1" dirty="0">
-                <a:solidFill>
-                  <a:srgbClr val="1D1D1D"/>
-                </a:solidFill>
-                <a:latin typeface="Consolas" panose="020B0609020204030204" pitchFamily="49" charset="0"/>
-                <a:cs typeface="Cascadia Mono" panose="020B0609020000020004" pitchFamily="49" charset="0"/>
-              </a:rPr>
-              <a:t> </a:t>
-            </a:r>
-            <a:r>
-              <a:rPr lang="bg-BG" sz="2500" b="1" dirty="0" err="1">
-                <a:solidFill>
-                  <a:srgbClr val="1D1D1D"/>
-                </a:solidFill>
-                <a:latin typeface="Consolas" panose="020B0609020204030204" pitchFamily="49" charset="0"/>
-                <a:cs typeface="Cascadia Mono" panose="020B0609020000020004" pitchFamily="49" charset="0"/>
-              </a:rPr>
-              <a:t>named</a:t>
-            </a:r>
-            <a:r>
-              <a:rPr lang="bg-BG" sz="2500" b="1" dirty="0">
-                <a:solidFill>
-                  <a:srgbClr val="1D1D1D"/>
-                </a:solidFill>
-                <a:latin typeface="Consolas" panose="020B0609020204030204" pitchFamily="49" charset="0"/>
-                <a:cs typeface="Cascadia Mono" panose="020B0609020000020004" pitchFamily="49" charset="0"/>
-              </a:rPr>
-              <a:t> </a:t>
-            </a:r>
-            <a:r>
-              <a:rPr lang="bg-BG" sz="2500" b="1" dirty="0" err="1">
-                <a:solidFill>
-                  <a:srgbClr val="1D1D1D"/>
-                </a:solidFill>
-                <a:latin typeface="Consolas" panose="020B0609020204030204" pitchFamily="49" charset="0"/>
-                <a:cs typeface="Cascadia Mono" panose="020B0609020000020004" pitchFamily="49" charset="0"/>
-              </a:rPr>
-              <a:t>Wordle</a:t>
-            </a:r>
-            <a:r>
-              <a:rPr lang="bg-BG" sz="2500" b="1" dirty="0">
-                <a:solidFill>
-                  <a:srgbClr val="1D1D1D"/>
-                </a:solidFill>
-                <a:latin typeface="Consolas" panose="020B0609020204030204" pitchFamily="49" charset="0"/>
-                <a:cs typeface="Cascadia Mono" panose="020B0609020000020004" pitchFamily="49" charset="0"/>
-              </a:rPr>
-              <a:t>. It is a game where you get five empty gaps that you should fulfill with letters and guess the word.</a:t>
-            </a:r>
-            <a:endParaRPr lang="bg-BG" sz="2500" dirty="0">
-              <a:latin typeface="Consolas" panose="020B0609020204030204" pitchFamily="49" charset="0"/>
-              <a:cs typeface="Cascadia Mono" panose="020B0609020000020004" pitchFamily="49" charset="0"/>
-            </a:endParaRPr>
+              <a:t>Our team decided to recreate a simple, yet entertaining game, named Wordle. In this game you get three, five or eight attempts (depending on the mode you choose) to guess a five-letter word.</a:t>
+            </a:r>
           </a:p>
         </p:txBody>
       </p:sp>
@@ -5416,7 +5199,7 @@
         </p:nvSpPr>
         <p:spPr>
           <a:xfrm>
-            <a:off x="7751902" y="6173791"/>
+            <a:off x="7751902" y="5998737"/>
             <a:ext cx="2694124" cy="369332"/>
           </a:xfrm>
           <a:prstGeom prst="rect">
@@ -5464,7 +5247,7 @@
         </p:nvSpPr>
         <p:spPr>
           <a:xfrm>
-            <a:off x="7751902" y="6153618"/>
+            <a:off x="7751902" y="5968267"/>
             <a:ext cx="2345635" cy="389505"/>
           </a:xfrm>
           <a:prstGeom prst="rect">
@@ -5524,7 +5307,7 @@
         </p:blipFill>
         <p:spPr>
           <a:xfrm>
-            <a:off x="4591319" y="3331291"/>
+            <a:off x="4611914" y="3104750"/>
             <a:ext cx="5506218" cy="2600688"/>
           </a:xfrm>
           <a:prstGeom prst="rect">
@@ -5885,7 +5668,7 @@
           <p:nvPr/>
         </p:nvPicPr>
         <p:blipFill>
-          <a:blip r:embed="rId3" cstate="print">
+          <a:blip r:embed="rId3">
             <a:extLst>
               <a:ext uri="{28A0092B-C50C-407E-A947-70E740481C1C}">
                 <a14:useLocalDpi xmlns:a14="http://schemas.microsoft.com/office/drawing/2010/main" val="0"/>
@@ -5941,7 +5724,7 @@
           <p:nvPr/>
         </p:nvPicPr>
         <p:blipFill>
-          <a:blip r:embed="rId4" cstate="print">
+          <a:blip r:embed="rId4">
             <a:extLst>
               <a:ext uri="{28A0092B-C50C-407E-A947-70E740481C1C}">
                 <a14:useLocalDpi xmlns:a14="http://schemas.microsoft.com/office/drawing/2010/main" val="0"/>
@@ -5995,7 +5778,7 @@
           <p:nvPr/>
         </p:nvPicPr>
         <p:blipFill>
-          <a:blip r:embed="rId5" cstate="print">
+          <a:blip r:embed="rId5">
             <a:extLst>
               <a:ext uri="{28A0092B-C50C-407E-A947-70E740481C1C}">
                 <a14:useLocalDpi xmlns:a14="http://schemas.microsoft.com/office/drawing/2010/main" val="0"/>
@@ -6049,7 +5832,7 @@
           <p:nvPr/>
         </p:nvPicPr>
         <p:blipFill>
-          <a:blip r:embed="rId6" cstate="print">
+          <a:blip r:embed="rId6">
             <a:extLst>
               <a:ext uri="{28A0092B-C50C-407E-A947-70E740481C1C}">
                 <a14:useLocalDpi xmlns:a14="http://schemas.microsoft.com/office/drawing/2010/main" val="0"/>
@@ -6103,7 +5886,7 @@
           <p:nvPr/>
         </p:nvPicPr>
         <p:blipFill>
-          <a:blip r:embed="rId7" cstate="print">
+          <a:blip r:embed="rId7">
             <a:extLst>
               <a:ext uri="{28A0092B-C50C-407E-A947-70E740481C1C}">
                 <a14:useLocalDpi xmlns:a14="http://schemas.microsoft.com/office/drawing/2010/main" val="0"/>
